--- a/classes/fall2024/466/lectures/slides/04-NetworkPerformance.pptx
+++ b/classes/fall2024/466/lectures/slides/04-NetworkPerformance.pptx
@@ -4104,7 +4104,7 @@
         <p:spPr>
           <a:xfrm>
             <a:off x="190699" y="4735448"/>
-            <a:ext cx="4716356" cy="461665"/>
+            <a:ext cx="5230919" cy="461665"/>
           </a:xfrm>
           <a:prstGeom prst="rect">
             <a:avLst/>
@@ -4127,7 +4127,7 @@
             </a:r>
             <a:r>
               <a:rPr lang="en-US" sz="2400" dirty="0"/>
-              <a:t> = 12000 / (1000 * 100)</a:t>
+              <a:t> = 12000 / (1000 * 100000)</a:t>
             </a:r>
           </a:p>
         </p:txBody>
